--- a/Intro to Python.pptx
+++ b/Intro to Python.pptx
@@ -10,11 +10,12 @@
     <p:sldId id="261" r:id="rId4"/>
     <p:sldId id="258" r:id="rId5"/>
     <p:sldId id="262" r:id="rId6"/>
-    <p:sldId id="263" r:id="rId7"/>
-    <p:sldId id="260" r:id="rId8"/>
-    <p:sldId id="264" r:id="rId9"/>
-    <p:sldId id="265" r:id="rId10"/>
-    <p:sldId id="270" r:id="rId11"/>
+    <p:sldId id="260" r:id="rId7"/>
+    <p:sldId id="264" r:id="rId8"/>
+    <p:sldId id="265" r:id="rId9"/>
+    <p:sldId id="263" r:id="rId10"/>
+    <p:sldId id="271" r:id="rId11"/>
+    <p:sldId id="270" r:id="rId12"/>
   </p:sldIdLst>
   <p:sldSz cx="12192000" cy="6858000"/>
   <p:notesSz cx="6858000" cy="9144000"/>
@@ -127,14 +128,11 @@
         <p14:section name="Python Basics" id="{97C69CB7-E004-7C49-B52F-D355F07BCCDD}">
           <p14:sldIdLst>
             <p14:sldId id="262"/>
-            <p14:sldId id="263"/>
             <p14:sldId id="260"/>
             <p14:sldId id="264"/>
             <p14:sldId id="265"/>
-          </p14:sldIdLst>
-        </p14:section>
-        <p14:section name="Scraping" id="{5C131695-D0D0-BB42-965E-55626D421B8A}">
-          <p14:sldIdLst>
+            <p14:sldId id="263"/>
+            <p14:sldId id="271"/>
             <p14:sldId id="270"/>
           </p14:sldIdLst>
         </p14:section>
@@ -4155,7 +4153,7 @@
           <a:p>
             <a:r>
               <a:rPr lang="en-US" dirty="0"/>
-              <a:t>Web scraping with python</a:t>
+              <a:t>Intro to python Workshop</a:t>
             </a:r>
           </a:p>
         </p:txBody>
@@ -4190,7 +4188,7 @@
           <a:p>
             <a:r>
               <a:rPr lang="en-US" dirty="0"/>
-              <a:t>04/2019</a:t>
+              <a:t>10/2019</a:t>
             </a:r>
           </a:p>
           <a:p>
@@ -4236,6 +4234,92 @@
           <p:cNvPr id="2" name="Title 1">
             <a:extLst>
               <a:ext uri="{FF2B5EF4-FFF2-40B4-BE49-F238E27FC236}">
+                <a16:creationId xmlns:a16="http://schemas.microsoft.com/office/drawing/2014/main" id="{2903D35E-DC01-0E4A-8423-AD0579AF4651}"/>
+              </a:ext>
+            </a:extLst>
+          </p:cNvPr>
+          <p:cNvSpPr>
+            <a:spLocks noGrp="1"/>
+          </p:cNvSpPr>
+          <p:nvPr>
+            <p:ph type="title"/>
+          </p:nvPr>
+        </p:nvSpPr>
+        <p:spPr/>
+        <p:txBody>
+          <a:bodyPr/>
+          <a:lstStyle/>
+          <a:p>
+            <a:r>
+              <a:rPr lang="en-US" dirty="0"/>
+              <a:t>Other</a:t>
+            </a:r>
+          </a:p>
+        </p:txBody>
+      </p:sp>
+      <p:sp>
+        <p:nvSpPr>
+          <p:cNvPr id="3" name="Content Placeholder 2">
+            <a:extLst>
+              <a:ext uri="{FF2B5EF4-FFF2-40B4-BE49-F238E27FC236}">
+                <a16:creationId xmlns:a16="http://schemas.microsoft.com/office/drawing/2014/main" id="{69609308-A153-C84B-A3B0-FE781305D0FA}"/>
+              </a:ext>
+            </a:extLst>
+          </p:cNvPr>
+          <p:cNvSpPr>
+            <a:spLocks noGrp="1"/>
+          </p:cNvSpPr>
+          <p:nvPr>
+            <p:ph idx="1"/>
+          </p:nvPr>
+        </p:nvSpPr>
+        <p:spPr/>
+        <p:txBody>
+          <a:bodyPr/>
+          <a:lstStyle/>
+          <a:p>
+            <a:r>
+              <a:rPr lang="en-US" dirty="0"/>
+              <a:t>Rest of the material will be covered along with the workshop Jupyter notebook</a:t>
+            </a:r>
+          </a:p>
+        </p:txBody>
+      </p:sp>
+    </p:spTree>
+    <p:extLst>
+      <p:ext uri="{BB962C8B-B14F-4D97-AF65-F5344CB8AC3E}">
+        <p14:creationId xmlns:p14="http://schemas.microsoft.com/office/powerpoint/2010/main" val="2116119619"/>
+      </p:ext>
+    </p:extLst>
+  </p:cSld>
+  <p:clrMapOvr>
+    <a:masterClrMapping/>
+  </p:clrMapOvr>
+</p:sld>
+</file>
+
+<file path=ppt/slides/slide11.xml><?xml version="1.0" encoding="utf-8"?>
+<p:sld xmlns:a="http://schemas.openxmlformats.org/drawingml/2006/main" xmlns:r="http://schemas.openxmlformats.org/officeDocument/2006/relationships" xmlns:p="http://schemas.openxmlformats.org/presentationml/2006/main">
+  <p:cSld>
+    <p:spTree>
+      <p:nvGrpSpPr>
+        <p:cNvPr id="1" name=""/>
+        <p:cNvGrpSpPr/>
+        <p:nvPr/>
+      </p:nvGrpSpPr>
+      <p:grpSpPr>
+        <a:xfrm>
+          <a:off x="0" y="0"/>
+          <a:ext cx="0" cy="0"/>
+          <a:chOff x="0" y="0"/>
+          <a:chExt cx="0" cy="0"/>
+        </a:xfrm>
+      </p:grpSpPr>
+      <p:sp>
+        <p:nvSpPr>
+          <p:cNvPr id="2" name="Title 1">
+            <a:extLst>
+              <a:ext uri="{FF2B5EF4-FFF2-40B4-BE49-F238E27FC236}">
                 <a16:creationId xmlns:a16="http://schemas.microsoft.com/office/drawing/2014/main" id="{EABF3CF4-B6C6-804F-BC3C-75A557FEDB98}"/>
               </a:ext>
             </a:extLst>
@@ -4283,7 +4367,7 @@
         </p:spPr>
         <p:txBody>
           <a:bodyPr>
-            <a:normAutofit fontScale="92500" lnSpcReduction="10000"/>
+            <a:normAutofit fontScale="85000" lnSpcReduction="20000"/>
           </a:bodyPr>
           <a:lstStyle/>
           <a:p>
@@ -4359,6 +4443,29 @@
               <a:t>https://www.udemy.com/course/python-for-data-science-and-machine-learning-bootcamp/</a:t>
             </a:r>
             <a:endParaRPr lang="en-US" dirty="0"/>
+          </a:p>
+          <a:p>
+            <a:r>
+              <a:rPr lang="en-US" dirty="0"/>
+              <a:t>Code Combat</a:t>
+            </a:r>
+          </a:p>
+          <a:p>
+            <a:pPr lvl="1"/>
+            <a:r>
+              <a:rPr lang="en-US" dirty="0">
+                <a:hlinkClick r:id="rId4"/>
+              </a:rPr>
+              <a:t>https://codecombat.com/</a:t>
+            </a:r>
+            <a:endParaRPr lang="en-US" dirty="0"/>
+          </a:p>
+          <a:p>
+            <a:pPr lvl="1"/>
+            <a:r>
+              <a:rPr lang="en-US" dirty="0"/>
+              <a:t>Learn Python via an online interactive game </a:t>
+            </a:r>
           </a:p>
           <a:p>
             <a:endParaRPr lang="en-US" dirty="0"/>
@@ -4556,8 +4663,8 @@
         </p:nvSpPr>
         <p:spPr>
           <a:xfrm>
-            <a:off x="10014705" y="227604"/>
-            <a:ext cx="1960374" cy="625013"/>
+            <a:off x="7929797" y="227604"/>
+            <a:ext cx="4045282" cy="625013"/>
           </a:xfrm>
         </p:spPr>
         <p:txBody>
@@ -4568,7 +4675,7 @@
           <a:p>
             <a:r>
               <a:rPr lang="en-US" dirty="0"/>
-              <a:t>Set Up</a:t>
+              <a:t>Initial Set Up</a:t>
             </a:r>
           </a:p>
         </p:txBody>
@@ -4650,7 +4757,7 @@
         <p:spPr>
           <a:xfrm>
             <a:off x="934093" y="899685"/>
-            <a:ext cx="10614441" cy="4154984"/>
+            <a:ext cx="10614441" cy="6740307"/>
           </a:xfrm>
           <a:prstGeom prst="rect">
             <a:avLst/>
@@ -4719,11 +4826,15 @@
             </a:endParaRPr>
           </a:p>
           <a:p>
-            <a:endParaRPr lang="en-US" sz="2800" dirty="0"/>
-          </a:p>
-          <a:p>
-            <a:pPr lvl="1"/>
-            <a:endParaRPr lang="en-US" sz="2800" dirty="0"/>
+            <a:pPr marL="285750" indent="-285750">
+              <a:buFont typeface="Arial" panose="020B0604020202020204" pitchFamily="34" charset="0"/>
+              <a:buChar char="•"/>
+            </a:pPr>
+            <a:endParaRPr lang="en-US" sz="2800" b="1" dirty="0">
+              <a:solidFill>
+                <a:srgbClr val="92D050"/>
+              </a:solidFill>
+            </a:endParaRPr>
           </a:p>
           <a:p>
             <a:pPr marL="457200" indent="-457200">
@@ -4731,15 +4842,106 @@
               <a:buChar char="•"/>
             </a:pPr>
             <a:r>
-              <a:rPr lang="en-US" sz="2000" i="1" dirty="0"/>
-              <a:t>In case of errors, raise your hand and we will come around. For those who have successfully completed the install, please assist others. </a:t>
-            </a:r>
+              <a:rPr lang="en-US" sz="2000" b="1" dirty="0"/>
+              <a:t>Also, please make sure you have the following packages installed via terminal:</a:t>
+            </a:r>
+          </a:p>
+          <a:p>
+            <a:pPr marL="914400" lvl="1" indent="-457200">
+              <a:buFont typeface="Arial" panose="020B0604020202020204" pitchFamily="34" charset="0"/>
+              <a:buChar char="•"/>
+            </a:pPr>
+            <a:r>
+              <a:rPr lang="en-US" sz="2000" b="1" dirty="0"/>
+              <a:t>pip install </a:t>
+            </a:r>
+            <a:r>
+              <a:rPr lang="en-US" sz="2000" b="1" dirty="0" err="1"/>
+              <a:t>numpy</a:t>
+            </a:r>
+            <a:endParaRPr lang="en-US" sz="2000" b="1" dirty="0"/>
+          </a:p>
+          <a:p>
+            <a:pPr marL="914400" lvl="1" indent="-457200">
+              <a:buFont typeface="Arial" panose="020B0604020202020204" pitchFamily="34" charset="0"/>
+              <a:buChar char="•"/>
+            </a:pPr>
+            <a:r>
+              <a:rPr lang="en-US" sz="2000" b="1" dirty="0"/>
+              <a:t>pip install pandas</a:t>
+            </a:r>
+          </a:p>
+          <a:p>
+            <a:pPr marL="914400" lvl="1" indent="-457200">
+              <a:buFont typeface="Arial" panose="020B0604020202020204" pitchFamily="34" charset="0"/>
+              <a:buChar char="•"/>
+            </a:pPr>
+            <a:r>
+              <a:rPr lang="en-US" sz="2000" b="1" dirty="0"/>
+              <a:t>pip install </a:t>
+            </a:r>
+            <a:r>
+              <a:rPr lang="en-US" sz="2000" b="1" dirty="0" err="1"/>
+              <a:t>scikit</a:t>
+            </a:r>
+            <a:r>
+              <a:rPr lang="en-US" sz="2000" b="1" dirty="0"/>
+              <a:t>-learn</a:t>
+            </a:r>
+          </a:p>
+          <a:p>
+            <a:pPr marL="914400" lvl="1" indent="-457200">
+              <a:buFont typeface="Arial" panose="020B0604020202020204" pitchFamily="34" charset="0"/>
+              <a:buChar char="•"/>
+            </a:pPr>
+            <a:endParaRPr lang="en-US" sz="2000" b="1" dirty="0"/>
           </a:p>
           <a:p>
             <a:pPr marL="457200" indent="-457200">
               <a:buFont typeface="Arial" panose="020B0604020202020204" pitchFamily="34" charset="0"/>
               <a:buChar char="•"/>
             </a:pPr>
+            <a:r>
+              <a:rPr lang="en-US" sz="4800" b="1" dirty="0">
+                <a:solidFill>
+                  <a:srgbClr val="92D050"/>
+                </a:solidFill>
+              </a:rPr>
+              <a:t>Then, go to </a:t>
+            </a:r>
+            <a:r>
+              <a:rPr lang="en-US" sz="4800" b="1" dirty="0">
+                <a:solidFill>
+                  <a:srgbClr val="92D050"/>
+                </a:solidFill>
+                <a:hlinkClick r:id="rId3"/>
+              </a:rPr>
+              <a:t>bit.ly/2LRY1wT</a:t>
+            </a:r>
+            <a:r>
+              <a:rPr lang="en-US" sz="4800" b="1" dirty="0">
+                <a:solidFill>
+                  <a:srgbClr val="92D050"/>
+                </a:solidFill>
+              </a:rPr>
+              <a:t> for workshop materials</a:t>
+            </a:r>
+          </a:p>
+          <a:p>
+            <a:pPr marL="457200" indent="-457200">
+              <a:buFont typeface="Arial" panose="020B0604020202020204" pitchFamily="34" charset="0"/>
+              <a:buChar char="•"/>
+            </a:pPr>
+            <a:endParaRPr lang="en-US" sz="2000" b="1" dirty="0"/>
+          </a:p>
+          <a:p>
+            <a:pPr marL="914400" lvl="1" indent="-457200">
+              <a:buFont typeface="Arial" panose="020B0604020202020204" pitchFamily="34" charset="0"/>
+              <a:buChar char="•"/>
+            </a:pPr>
+            <a:endParaRPr lang="en-US" sz="2000" b="1" dirty="0"/>
+          </a:p>
+          <a:p>
             <a:endParaRPr lang="en-US" sz="2800" dirty="0"/>
           </a:p>
         </p:txBody>
@@ -4824,7 +5026,7 @@
         <p:spPr>
           <a:xfrm>
             <a:off x="934093" y="899685"/>
-            <a:ext cx="10614441" cy="3724096"/>
+            <a:ext cx="10614441" cy="6309420"/>
           </a:xfrm>
           <a:prstGeom prst="rect">
             <a:avLst/>
@@ -4893,7 +5095,95 @@
             </a:endParaRPr>
           </a:p>
           <a:p>
-            <a:pPr lvl="1"/>
+            <a:pPr marL="457200" indent="-457200">
+              <a:buFont typeface="Arial" panose="020B0604020202020204" pitchFamily="34" charset="0"/>
+              <a:buChar char="•"/>
+            </a:pPr>
+            <a:r>
+              <a:rPr lang="en-US" sz="2000" b="1" dirty="0"/>
+              <a:t>Also, please make sure you have the following packages installed via terminal:</a:t>
+            </a:r>
+          </a:p>
+          <a:p>
+            <a:pPr marL="914400" lvl="1" indent="-457200">
+              <a:buFont typeface="Arial" panose="020B0604020202020204" pitchFamily="34" charset="0"/>
+              <a:buChar char="•"/>
+            </a:pPr>
+            <a:r>
+              <a:rPr lang="en-US" sz="2000" b="1" dirty="0"/>
+              <a:t>pip install </a:t>
+            </a:r>
+            <a:r>
+              <a:rPr lang="en-US" sz="2000" b="1" dirty="0" err="1"/>
+              <a:t>numpy</a:t>
+            </a:r>
+            <a:endParaRPr lang="en-US" sz="2000" b="1" dirty="0"/>
+          </a:p>
+          <a:p>
+            <a:pPr marL="914400" lvl="1" indent="-457200">
+              <a:buFont typeface="Arial" panose="020B0604020202020204" pitchFamily="34" charset="0"/>
+              <a:buChar char="•"/>
+            </a:pPr>
+            <a:r>
+              <a:rPr lang="en-US" sz="2000" b="1" dirty="0"/>
+              <a:t>pip install pandas</a:t>
+            </a:r>
+          </a:p>
+          <a:p>
+            <a:pPr marL="914400" lvl="1" indent="-457200">
+              <a:buFont typeface="Arial" panose="020B0604020202020204" pitchFamily="34" charset="0"/>
+              <a:buChar char="•"/>
+            </a:pPr>
+            <a:r>
+              <a:rPr lang="en-US" sz="2000" b="1" dirty="0"/>
+              <a:t>pip install </a:t>
+            </a:r>
+            <a:r>
+              <a:rPr lang="en-US" sz="2000" b="1" dirty="0" err="1"/>
+              <a:t>scikit</a:t>
+            </a:r>
+            <a:r>
+              <a:rPr lang="en-US" sz="2000" b="1" dirty="0"/>
+              <a:t>-learn</a:t>
+            </a:r>
+          </a:p>
+          <a:p>
+            <a:pPr marL="914400" lvl="1" indent="-457200">
+              <a:buFont typeface="Arial" panose="020B0604020202020204" pitchFamily="34" charset="0"/>
+              <a:buChar char="•"/>
+            </a:pPr>
+            <a:endParaRPr lang="en-US" sz="2000" b="1" dirty="0"/>
+          </a:p>
+          <a:p>
+            <a:pPr marL="457200" indent="-457200">
+              <a:buFont typeface="Arial" panose="020B0604020202020204" pitchFamily="34" charset="0"/>
+              <a:buChar char="•"/>
+            </a:pPr>
+            <a:r>
+              <a:rPr lang="en-US" sz="4800" b="1" dirty="0">
+                <a:solidFill>
+                  <a:srgbClr val="92D050"/>
+                </a:solidFill>
+              </a:rPr>
+              <a:t>Then, go to </a:t>
+            </a:r>
+            <a:r>
+              <a:rPr lang="en-US" sz="4800" b="1" dirty="0">
+                <a:solidFill>
+                  <a:srgbClr val="92D050"/>
+                </a:solidFill>
+                <a:hlinkClick r:id="rId3"/>
+              </a:rPr>
+              <a:t>bit.ly/2LRY1wT</a:t>
+            </a:r>
+            <a:r>
+              <a:rPr lang="en-US" sz="4800" b="1" dirty="0">
+                <a:solidFill>
+                  <a:srgbClr val="92D050"/>
+                </a:solidFill>
+              </a:rPr>
+              <a:t> for workshop materials.</a:t>
+            </a:r>
             <a:endParaRPr lang="en-US" sz="2800" dirty="0"/>
           </a:p>
           <a:p>
@@ -5354,7 +5644,7 @@
           <p:cNvPr id="2" name="Title 1">
             <a:extLst>
               <a:ext uri="{FF2B5EF4-FFF2-40B4-BE49-F238E27FC236}">
-                <a16:creationId xmlns:a16="http://schemas.microsoft.com/office/drawing/2014/main" id="{89A695FD-43EC-E347-949E-10420D82A1BB}"/>
+                <a16:creationId xmlns:a16="http://schemas.microsoft.com/office/drawing/2014/main" id="{7B6E1F6D-34C1-8E49-A3B6-852542EF6FBC}"/>
               </a:ext>
             </a:extLst>
           </p:cNvPr>
@@ -5372,7 +5662,7 @@
           <a:p>
             <a:r>
               <a:rPr lang="en-US" dirty="0"/>
-              <a:t>Python Basics: Functions</a:t>
+              <a:t>Python Basics: Lists</a:t>
             </a:r>
           </a:p>
         </p:txBody>
@@ -5382,7 +5672,7 @@
           <p:cNvPr id="3" name="Content Placeholder 2">
             <a:extLst>
               <a:ext uri="{FF2B5EF4-FFF2-40B4-BE49-F238E27FC236}">
-                <a16:creationId xmlns:a16="http://schemas.microsoft.com/office/drawing/2014/main" id="{9D50B629-D429-AA44-9494-941942210447}"/>
+                <a16:creationId xmlns:a16="http://schemas.microsoft.com/office/drawing/2014/main" id="{2AF27786-5241-0241-B941-18ED72FEC903}"/>
               </a:ext>
             </a:extLst>
           </p:cNvPr>
@@ -5395,127 +5685,100 @@
         </p:nvSpPr>
         <p:spPr>
           <a:xfrm>
-            <a:off x="1371600" y="2286000"/>
-            <a:ext cx="7008987" cy="3581400"/>
+            <a:off x="1219200" y="1989116"/>
+            <a:ext cx="10311740" cy="4589813"/>
           </a:xfrm>
         </p:spPr>
         <p:txBody>
           <a:bodyPr>
-            <a:normAutofit fontScale="92500" lnSpcReduction="10000"/>
+            <a:normAutofit/>
           </a:bodyPr>
           <a:lstStyle/>
           <a:p>
             <a:r>
-              <a:rPr lang="en-US" dirty="0"/>
-              <a:t>Functions start with “def” with the following format</a:t>
+              <a:rPr lang="en-US" sz="1600" dirty="0"/>
+              <a:t>Type of data container which is used to store multiple data at the same time</a:t>
+            </a:r>
+          </a:p>
+          <a:p>
+            <a:r>
+              <a:rPr lang="en-US" sz="1600" dirty="0"/>
+              <a:t>Mutable (Can be changed)</a:t>
+            </a:r>
+          </a:p>
+          <a:p>
+            <a:r>
+              <a:rPr lang="en-US" sz="1600" dirty="0"/>
+              <a:t>Comparable to R’s vector </a:t>
             </a:r>
           </a:p>
           <a:p>
             <a:pPr lvl="1"/>
             <a:r>
-              <a:rPr lang="en-US" dirty="0"/>
-              <a:t>def function1(paramter1,parameter2):</a:t>
-            </a:r>
-          </a:p>
-          <a:p>
-            <a:pPr marL="987552" lvl="2" indent="0">
-              <a:buNone/>
-            </a:pPr>
-            <a:r>
-              <a:rPr lang="en-US" dirty="0"/>
-              <a:t>	answer = parameter1+paramter2</a:t>
-            </a:r>
-          </a:p>
-          <a:p>
-            <a:pPr marL="987552" lvl="2" indent="0">
-              <a:buNone/>
-            </a:pPr>
-            <a:r>
-              <a:rPr lang="en-US" dirty="0"/>
-              <a:t>	return answer</a:t>
-            </a:r>
-          </a:p>
-          <a:p>
-            <a:r>
-              <a:rPr lang="en-US" dirty="0"/>
-              <a:t>There are two ways to call functions</a:t>
-            </a:r>
-            <a:r>
-              <a:rPr lang="en-US" b="1" dirty="0"/>
-              <a:t>:</a:t>
-            </a:r>
-          </a:p>
-          <a:p>
-            <a:pPr marL="987552" lvl="1" indent="-457200">
-              <a:buFont typeface="+mj-lt"/>
-              <a:buAutoNum type="arabicPeriod"/>
-            </a:pPr>
-            <a:r>
-              <a:rPr lang="en-US" dirty="0"/>
-              <a:t>Function1()</a:t>
-            </a:r>
-          </a:p>
-          <a:p>
-            <a:pPr marL="1444752" lvl="2" indent="-457200">
-              <a:buFont typeface="+mj-lt"/>
-              <a:buAutoNum type="arabicPeriod"/>
-            </a:pPr>
-            <a:r>
-              <a:rPr lang="en-US" dirty="0"/>
-              <a:t>E.g. type(5) # </a:t>
-            </a:r>
-            <a:r>
-              <a:rPr lang="en-US" dirty="0" err="1"/>
-              <a:t>int</a:t>
-            </a:r>
-            <a:endParaRPr lang="en-US" dirty="0"/>
-          </a:p>
-          <a:p>
-            <a:pPr marL="987552" lvl="1" indent="-457200">
-              <a:buFont typeface="+mj-lt"/>
-              <a:buAutoNum type="arabicPeriod"/>
-            </a:pPr>
-            <a:r>
-              <a:rPr lang="en-US" dirty="0"/>
-              <a:t>Object.function1()</a:t>
-            </a:r>
-          </a:p>
-          <a:p>
-            <a:pPr marL="1444752" lvl="2" indent="-457200">
-              <a:buFont typeface="+mj-lt"/>
-              <a:buAutoNum type="arabicPeriod"/>
-            </a:pPr>
-            <a:r>
-              <a:rPr lang="en-US" dirty="0"/>
-              <a:t>“</a:t>
-            </a:r>
-            <a:r>
-              <a:rPr lang="en-US" dirty="0" err="1"/>
-              <a:t>python”.upper</a:t>
-            </a:r>
-            <a:r>
-              <a:rPr lang="en-US" dirty="0"/>
-              <a:t>() # “PYTHON”</a:t>
+              <a:rPr lang="en-US" sz="1600" dirty="0"/>
+              <a:t>E.g. list1 = [0,1,2,3,4]</a:t>
+            </a:r>
+          </a:p>
+          <a:p>
+            <a:r>
+              <a:rPr lang="en-US" sz="1600" dirty="0"/>
+              <a:t>Can contain items of varying data types</a:t>
             </a:r>
           </a:p>
           <a:p>
             <a:pPr lvl="1"/>
             <a:r>
-              <a:rPr lang="en-US" dirty="0"/>
-              <a:t>Used under different circumstances (examples to come later)</a:t>
-            </a:r>
-          </a:p>
-          <a:p>
-            <a:endParaRPr lang="en-US" b="1" dirty="0"/>
+              <a:rPr lang="en-US" sz="1600" dirty="0"/>
+              <a:t>E.g. list2 = [6,’harry’, True, 1.0]</a:t>
+            </a:r>
+          </a:p>
+          <a:p>
+            <a:r>
+              <a:rPr lang="en-US" sz="1600" dirty="0"/>
+              <a:t>Indexing starts with 0</a:t>
+            </a:r>
+          </a:p>
+          <a:p>
+            <a:pPr lvl="1"/>
+            <a:r>
+              <a:rPr lang="en-US" sz="1600" dirty="0"/>
+              <a:t>E.g. list2[0] = 6</a:t>
+            </a:r>
+          </a:p>
+          <a:p>
+            <a:r>
+              <a:rPr lang="en-US" sz="1600" dirty="0"/>
+              <a:t>A list can be nested in another list</a:t>
+            </a:r>
+          </a:p>
+          <a:p>
+            <a:pPr lvl="1"/>
+            <a:r>
+              <a:rPr lang="en-US" sz="1600" dirty="0"/>
+              <a:t>E.g. [1 , [98,109], 6, 7]</a:t>
+            </a:r>
+          </a:p>
+          <a:p>
+            <a:r>
+              <a:rPr lang="en-US" sz="1600" dirty="0"/>
+              <a:t>Call the ”append” function to add an item to a list</a:t>
+            </a:r>
+          </a:p>
+          <a:p>
+            <a:pPr lvl="1"/>
+            <a:r>
+              <a:rPr lang="en-US" sz="1600" dirty="0"/>
+              <a:t>E.g. list1.append(5)</a:t>
+            </a:r>
           </a:p>
         </p:txBody>
       </p:sp>
       <p:pic>
         <p:nvPicPr>
-          <p:cNvPr id="5" name="Picture 4">
+          <p:cNvPr id="4" name="Picture 3">
             <a:extLst>
               <a:ext uri="{FF2B5EF4-FFF2-40B4-BE49-F238E27FC236}">
-                <a16:creationId xmlns:a16="http://schemas.microsoft.com/office/drawing/2014/main" id="{8165C4DC-BBD2-EF49-AA10-99B30AA07034}"/>
+                <a16:creationId xmlns:a16="http://schemas.microsoft.com/office/drawing/2014/main" id="{0AF3646C-F645-5E41-B189-AB03595EBD93}"/>
               </a:ext>
             </a:extLst>
           </p:cNvPr>
@@ -5543,7 +5806,7 @@
     </p:spTree>
     <p:extLst>
       <p:ext uri="{BB962C8B-B14F-4D97-AF65-F5344CB8AC3E}">
-        <p14:creationId xmlns:p14="http://schemas.microsoft.com/office/powerpoint/2010/main" val="1339790282"/>
+        <p14:creationId xmlns:p14="http://schemas.microsoft.com/office/powerpoint/2010/main" val="487941527"/>
       </p:ext>
     </p:extLst>
   </p:cSld>
@@ -5575,7 +5838,7 @@
           <p:cNvPr id="2" name="Title 1">
             <a:extLst>
               <a:ext uri="{FF2B5EF4-FFF2-40B4-BE49-F238E27FC236}">
-                <a16:creationId xmlns:a16="http://schemas.microsoft.com/office/drawing/2014/main" id="{7B6E1F6D-34C1-8E49-A3B6-852542EF6FBC}"/>
+                <a16:creationId xmlns:a16="http://schemas.microsoft.com/office/drawing/2014/main" id="{6CA02568-D180-8C43-9046-F6B4890A929F}"/>
               </a:ext>
             </a:extLst>
           </p:cNvPr>
@@ -5593,7 +5856,7 @@
           <a:p>
             <a:r>
               <a:rPr lang="en-US" dirty="0"/>
-              <a:t>Python Basics: Lists</a:t>
+              <a:t>Python Basics: Dictionaries </a:t>
             </a:r>
           </a:p>
         </p:txBody>
@@ -5603,7 +5866,7 @@
           <p:cNvPr id="3" name="Content Placeholder 2">
             <a:extLst>
               <a:ext uri="{FF2B5EF4-FFF2-40B4-BE49-F238E27FC236}">
-                <a16:creationId xmlns:a16="http://schemas.microsoft.com/office/drawing/2014/main" id="{2AF27786-5241-0241-B941-18ED72FEC903}"/>
+                <a16:creationId xmlns:a16="http://schemas.microsoft.com/office/drawing/2014/main" id="{D0C5A7EE-FE7A-B649-B56A-7933E9C90778}"/>
               </a:ext>
             </a:extLst>
           </p:cNvPr>
@@ -5614,92 +5877,65 @@
             <p:ph idx="1"/>
           </p:nvPr>
         </p:nvSpPr>
-        <p:spPr>
-          <a:xfrm>
-            <a:off x="1219200" y="1989116"/>
-            <a:ext cx="10311740" cy="4589813"/>
-          </a:xfrm>
-        </p:spPr>
+        <p:spPr/>
         <p:txBody>
           <a:bodyPr>
-            <a:normAutofit/>
+            <a:normAutofit lnSpcReduction="10000"/>
           </a:bodyPr>
           <a:lstStyle/>
           <a:p>
             <a:r>
-              <a:rPr lang="en-US" sz="1600" dirty="0"/>
-              <a:t>Type of data container which is used to store multiple data at the same time</a:t>
-            </a:r>
-          </a:p>
-          <a:p>
-            <a:r>
-              <a:rPr lang="en-US" sz="1600" dirty="0"/>
-              <a:t>Mutable (Can be changed)</a:t>
-            </a:r>
-          </a:p>
-          <a:p>
-            <a:r>
-              <a:rPr lang="en-US" sz="1600" dirty="0"/>
-              <a:t>Comparable to R’s vector </a:t>
+              <a:rPr lang="en-US" dirty="0"/>
+              <a:t>Collection of key-value pairs</a:t>
+            </a:r>
+          </a:p>
+          <a:p>
+            <a:r>
+              <a:rPr lang="en-US" dirty="0"/>
+              <a:t>Very similar to JSON objects</a:t>
+            </a:r>
+          </a:p>
+          <a:p>
+            <a:r>
+              <a:rPr lang="en-US" dirty="0"/>
+              <a:t>Mutable </a:t>
+            </a:r>
+          </a:p>
+          <a:p>
+            <a:r>
+              <a:rPr lang="en-US" dirty="0"/>
+              <a:t>E.g. dict1 = {‘r’:4,’w’:9, ‘t’:5}</a:t>
+            </a:r>
+          </a:p>
+          <a:p>
+            <a:r>
+              <a:rPr lang="en-US" dirty="0"/>
+              <a:t>Indexed with keys</a:t>
             </a:r>
           </a:p>
           <a:p>
             <a:pPr lvl="1"/>
             <a:r>
-              <a:rPr lang="en-US" sz="1600" dirty="0"/>
-              <a:t>E.g. list1 = [0,1,2,3,4]</a:t>
-            </a:r>
-          </a:p>
-          <a:p>
-            <a:r>
-              <a:rPr lang="en-US" sz="1600" dirty="0"/>
-              <a:t>Can contain items of varying data types</a:t>
-            </a:r>
-          </a:p>
-          <a:p>
-            <a:pPr lvl="1"/>
-            <a:r>
-              <a:rPr lang="en-US" sz="1600" dirty="0"/>
-              <a:t>E.g. list2 = [6,’harry’, True, 1.0]</a:t>
-            </a:r>
-          </a:p>
-          <a:p>
-            <a:r>
-              <a:rPr lang="en-US" sz="1600" dirty="0"/>
-              <a:t>Indexing starts with 0</a:t>
-            </a:r>
-          </a:p>
-          <a:p>
-            <a:pPr lvl="1"/>
-            <a:r>
-              <a:rPr lang="en-US" sz="1600" dirty="0"/>
-              <a:t>E.g. list2[0] = 6</a:t>
-            </a:r>
-          </a:p>
-          <a:p>
-            <a:r>
-              <a:rPr lang="en-US" sz="1600" dirty="0"/>
-              <a:t>A list can be nested in another list</a:t>
-            </a:r>
-          </a:p>
-          <a:p>
-            <a:pPr lvl="1"/>
-            <a:r>
-              <a:rPr lang="en-US" sz="1600" dirty="0"/>
-              <a:t>E.g. [1 , [98,109], 6, 7]</a:t>
-            </a:r>
-          </a:p>
-          <a:p>
-            <a:r>
-              <a:rPr lang="en-US" sz="1600" dirty="0"/>
-              <a:t>Call the ”append” function to add an item to a list</a:t>
-            </a:r>
-          </a:p>
-          <a:p>
-            <a:pPr lvl="1"/>
-            <a:r>
-              <a:rPr lang="en-US" sz="1600" dirty="0"/>
-              <a:t>E.g. list1.append(5)</a:t>
+              <a:rPr lang="en-US" dirty="0"/>
+              <a:t>E.g. dict1[‘r’]</a:t>
+            </a:r>
+          </a:p>
+          <a:p>
+            <a:r>
+              <a:rPr lang="en-US" dirty="0"/>
+              <a:t>Keys are unique</a:t>
+            </a:r>
+          </a:p>
+          <a:p>
+            <a:r>
+              <a:rPr lang="en-US" dirty="0"/>
+              <a:t>Values can be lists or other nested dictionaries</a:t>
+            </a:r>
+          </a:p>
+          <a:p>
+            <a:r>
+              <a:rPr lang="en-US" dirty="0"/>
+              <a:t>A dictionary can also be nested into a list e.g. [{3:4,5:6}, 6,7]</a:t>
             </a:r>
           </a:p>
         </p:txBody>
@@ -5709,7 +5945,7 @@
           <p:cNvPr id="4" name="Picture 3">
             <a:extLst>
               <a:ext uri="{FF2B5EF4-FFF2-40B4-BE49-F238E27FC236}">
-                <a16:creationId xmlns:a16="http://schemas.microsoft.com/office/drawing/2014/main" id="{0AF3646C-F645-5E41-B189-AB03595EBD93}"/>
+                <a16:creationId xmlns:a16="http://schemas.microsoft.com/office/drawing/2014/main" id="{3D989F74-BF84-224F-87F4-F8EAD31DD909}"/>
               </a:ext>
             </a:extLst>
           </p:cNvPr>
@@ -5737,7 +5973,7 @@
     </p:spTree>
     <p:extLst>
       <p:ext uri="{BB962C8B-B14F-4D97-AF65-F5344CB8AC3E}">
-        <p14:creationId xmlns:p14="http://schemas.microsoft.com/office/powerpoint/2010/main" val="487941527"/>
+        <p14:creationId xmlns:p14="http://schemas.microsoft.com/office/powerpoint/2010/main" val="3249313101"/>
       </p:ext>
     </p:extLst>
   </p:cSld>
@@ -5769,7 +6005,7 @@
           <p:cNvPr id="2" name="Title 1">
             <a:extLst>
               <a:ext uri="{FF2B5EF4-FFF2-40B4-BE49-F238E27FC236}">
-                <a16:creationId xmlns:a16="http://schemas.microsoft.com/office/drawing/2014/main" id="{6CA02568-D180-8C43-9046-F6B4890A929F}"/>
+                <a16:creationId xmlns:a16="http://schemas.microsoft.com/office/drawing/2014/main" id="{6D1BA138-E613-CA47-B2D7-24488780584F}"/>
               </a:ext>
             </a:extLst>
           </p:cNvPr>
@@ -5780,14 +6016,19 @@
             <p:ph type="title"/>
           </p:nvPr>
         </p:nvSpPr>
-        <p:spPr/>
+        <p:spPr>
+          <a:xfrm>
+            <a:off x="1371600" y="685800"/>
+            <a:ext cx="9601200" cy="1485900"/>
+          </a:xfrm>
+        </p:spPr>
         <p:txBody>
           <a:bodyPr/>
           <a:lstStyle/>
           <a:p>
             <a:r>
               <a:rPr lang="en-US" dirty="0"/>
-              <a:t>Python Basics: Dictionaries </a:t>
+              <a:t>Python Basics: For Loops</a:t>
             </a:r>
           </a:p>
         </p:txBody>
@@ -5797,7 +6038,7 @@
           <p:cNvPr id="3" name="Content Placeholder 2">
             <a:extLst>
               <a:ext uri="{FF2B5EF4-FFF2-40B4-BE49-F238E27FC236}">
-                <a16:creationId xmlns:a16="http://schemas.microsoft.com/office/drawing/2014/main" id="{D0C5A7EE-FE7A-B649-B56A-7933E9C90778}"/>
+                <a16:creationId xmlns:a16="http://schemas.microsoft.com/office/drawing/2014/main" id="{7720213F-C0A0-B74D-9944-C432D90B8A6D}"/>
               </a:ext>
             </a:extLst>
           </p:cNvPr>
@@ -5808,66 +6049,146 @@
             <p:ph idx="1"/>
           </p:nvPr>
         </p:nvSpPr>
-        <p:spPr/>
-        <p:txBody>
-          <a:bodyPr>
-            <a:normAutofit lnSpcReduction="10000"/>
-          </a:bodyPr>
+        <p:spPr>
+          <a:xfrm>
+            <a:off x="1371600" y="2286000"/>
+            <a:ext cx="9601200" cy="3581400"/>
+          </a:xfrm>
+        </p:spPr>
+        <p:txBody>
+          <a:bodyPr/>
           <a:lstStyle/>
           <a:p>
             <a:r>
               <a:rPr lang="en-US" dirty="0"/>
-              <a:t>Collection of key-value pairs</a:t>
+              <a:t>Used for iterating over a sequence (a list, a tuple, a dictionary, a set, or a string)</a:t>
             </a:r>
           </a:p>
           <a:p>
             <a:r>
               <a:rPr lang="en-US" dirty="0"/>
-              <a:t>Very similar to JSON objects</a:t>
-            </a:r>
-          </a:p>
-          <a:p>
+              <a:t>E.g. </a:t>
+            </a:r>
+          </a:p>
+          <a:p>
+            <a:pPr lvl="1"/>
+            <a:r>
+              <a:rPr lang="en-US" dirty="0" err="1"/>
+              <a:t>cities_list</a:t>
+            </a:r>
             <a:r>
               <a:rPr lang="en-US" dirty="0"/>
-              <a:t>Mutable </a:t>
-            </a:r>
-          </a:p>
-          <a:p>
+              <a:t> = [‘</a:t>
+            </a:r>
+            <a:r>
+              <a:rPr lang="en-US" dirty="0" err="1"/>
+              <a:t>hong</a:t>
+            </a:r>
             <a:r>
               <a:rPr lang="en-US" dirty="0"/>
-              <a:t>E.g. dict1 = {‘r’:4,’w’:9, ‘t’:5}</a:t>
-            </a:r>
-          </a:p>
-          <a:p>
+              <a:t> </a:t>
+            </a:r>
+            <a:r>
+              <a:rPr lang="en-US" dirty="0" err="1"/>
+              <a:t>kong</a:t>
+            </a:r>
             <a:r>
               <a:rPr lang="en-US" dirty="0"/>
-              <a:t>Indexed with keys</a:t>
+              <a:t>”, “new </a:t>
+            </a:r>
+            <a:r>
+              <a:rPr lang="en-US" dirty="0" err="1"/>
+              <a:t>york</a:t>
+            </a:r>
+            <a:r>
+              <a:rPr lang="en-US" dirty="0"/>
+              <a:t>”, “</a:t>
+            </a:r>
+            <a:r>
+              <a:rPr lang="en-US" dirty="0" err="1"/>
+              <a:t>miami</a:t>
+            </a:r>
+            <a:r>
+              <a:rPr lang="en-US" dirty="0"/>
+              <a:t>”]</a:t>
             </a:r>
           </a:p>
           <a:p>
             <a:pPr lvl="1"/>
             <a:r>
               <a:rPr lang="en-US" dirty="0"/>
-              <a:t>E.g. dict1[‘r’]</a:t>
-            </a:r>
-          </a:p>
-          <a:p>
+              <a:t>for item in </a:t>
+            </a:r>
+            <a:r>
+              <a:rPr lang="en-US" dirty="0" err="1"/>
+              <a:t>cities_list</a:t>
+            </a:r>
             <a:r>
               <a:rPr lang="en-US" dirty="0"/>
-              <a:t>Keys are unique</a:t>
-            </a:r>
-          </a:p>
-          <a:p>
+              <a:t>:</a:t>
+            </a:r>
+          </a:p>
+          <a:p>
+            <a:pPr marL="987552" lvl="2" indent="0">
+              <a:buNone/>
+            </a:pPr>
             <a:r>
               <a:rPr lang="en-US" dirty="0"/>
-              <a:t>Values can be lists or other nested dictionaries</a:t>
-            </a:r>
-          </a:p>
-          <a:p>
+              <a:t>	print(item)</a:t>
+            </a:r>
+          </a:p>
+          <a:p>
+            <a:pPr marL="987552" lvl="2" indent="0">
+              <a:buNone/>
+            </a:pPr>
             <a:r>
               <a:rPr lang="en-US" dirty="0"/>
-              <a:t>A dictionary can also be nested into a list e.g. [{3:4,5:6}, 6,7]</a:t>
-            </a:r>
+              <a:t># </a:t>
+            </a:r>
+            <a:r>
+              <a:rPr lang="en-US" dirty="0" err="1"/>
+              <a:t>hong</a:t>
+            </a:r>
+            <a:r>
+              <a:rPr lang="en-US" dirty="0"/>
+              <a:t> </a:t>
+            </a:r>
+            <a:r>
+              <a:rPr lang="en-US" dirty="0" err="1"/>
+              <a:t>kong</a:t>
+            </a:r>
+            <a:endParaRPr lang="en-US" dirty="0"/>
+          </a:p>
+          <a:p>
+            <a:pPr marL="987552" lvl="2" indent="0">
+              <a:buNone/>
+            </a:pPr>
+            <a:r>
+              <a:rPr lang="en-US" dirty="0"/>
+              <a:t># new </a:t>
+            </a:r>
+            <a:r>
+              <a:rPr lang="en-US" dirty="0" err="1"/>
+              <a:t>york</a:t>
+            </a:r>
+            <a:endParaRPr lang="en-US" dirty="0"/>
+          </a:p>
+          <a:p>
+            <a:pPr marL="987552" lvl="2" indent="0">
+              <a:buNone/>
+            </a:pPr>
+            <a:r>
+              <a:rPr lang="en-US" dirty="0"/>
+              <a:t># </a:t>
+            </a:r>
+            <a:r>
+              <a:rPr lang="en-US" dirty="0" err="1"/>
+              <a:t>miami</a:t>
+            </a:r>
+            <a:endParaRPr lang="en-US" dirty="0"/>
+          </a:p>
+          <a:p>
+            <a:endParaRPr lang="en-US" dirty="0"/>
           </a:p>
         </p:txBody>
       </p:sp>
@@ -5876,7 +6197,7 @@
           <p:cNvPr id="4" name="Picture 3">
             <a:extLst>
               <a:ext uri="{FF2B5EF4-FFF2-40B4-BE49-F238E27FC236}">
-                <a16:creationId xmlns:a16="http://schemas.microsoft.com/office/drawing/2014/main" id="{3D989F74-BF84-224F-87F4-F8EAD31DD909}"/>
+                <a16:creationId xmlns:a16="http://schemas.microsoft.com/office/drawing/2014/main" id="{3F04FD72-3B62-F14B-A69F-A8315174DCD0}"/>
               </a:ext>
             </a:extLst>
           </p:cNvPr>
@@ -5904,7 +6225,7 @@
     </p:spTree>
     <p:extLst>
       <p:ext uri="{BB962C8B-B14F-4D97-AF65-F5344CB8AC3E}">
-        <p14:creationId xmlns:p14="http://schemas.microsoft.com/office/powerpoint/2010/main" val="3249313101"/>
+        <p14:creationId xmlns:p14="http://schemas.microsoft.com/office/powerpoint/2010/main" val="678086244"/>
       </p:ext>
     </p:extLst>
   </p:cSld>
@@ -5936,7 +6257,7 @@
           <p:cNvPr id="2" name="Title 1">
             <a:extLst>
               <a:ext uri="{FF2B5EF4-FFF2-40B4-BE49-F238E27FC236}">
-                <a16:creationId xmlns:a16="http://schemas.microsoft.com/office/drawing/2014/main" id="{6D1BA138-E613-CA47-B2D7-24488780584F}"/>
+                <a16:creationId xmlns:a16="http://schemas.microsoft.com/office/drawing/2014/main" id="{89A695FD-43EC-E347-949E-10420D82A1BB}"/>
               </a:ext>
             </a:extLst>
           </p:cNvPr>
@@ -5947,19 +6268,14 @@
             <p:ph type="title"/>
           </p:nvPr>
         </p:nvSpPr>
-        <p:spPr>
-          <a:xfrm>
-            <a:off x="1371600" y="685800"/>
-            <a:ext cx="9601200" cy="1485900"/>
-          </a:xfrm>
-        </p:spPr>
+        <p:spPr/>
         <p:txBody>
           <a:bodyPr/>
           <a:lstStyle/>
           <a:p>
             <a:r>
               <a:rPr lang="en-US" dirty="0"/>
-              <a:t>Python Basics: For Loops</a:t>
+              <a:t>Python Basics: Functions</a:t>
             </a:r>
           </a:p>
         </p:txBody>
@@ -5969,7 +6285,7 @@
           <p:cNvPr id="3" name="Content Placeholder 2">
             <a:extLst>
               <a:ext uri="{FF2B5EF4-FFF2-40B4-BE49-F238E27FC236}">
-                <a16:creationId xmlns:a16="http://schemas.microsoft.com/office/drawing/2014/main" id="{7720213F-C0A0-B74D-9944-C432D90B8A6D}"/>
+                <a16:creationId xmlns:a16="http://schemas.microsoft.com/office/drawing/2014/main" id="{9D50B629-D429-AA44-9494-941942210447}"/>
               </a:ext>
             </a:extLst>
           </p:cNvPr>
@@ -5983,152 +6299,126 @@
         <p:spPr>
           <a:xfrm>
             <a:off x="1371600" y="2286000"/>
-            <a:ext cx="9601200" cy="3581400"/>
+            <a:ext cx="7008987" cy="3581400"/>
           </a:xfrm>
         </p:spPr>
         <p:txBody>
-          <a:bodyPr/>
+          <a:bodyPr>
+            <a:normAutofit fontScale="92500" lnSpcReduction="10000"/>
+          </a:bodyPr>
           <a:lstStyle/>
           <a:p>
             <a:r>
               <a:rPr lang="en-US" dirty="0"/>
-              <a:t>Used for iterating over a sequence (a list, a tuple, a dictionary, a set, or a string)</a:t>
-            </a:r>
-          </a:p>
-          <a:p>
+              <a:t>Functions start with “def” with the following format</a:t>
+            </a:r>
+          </a:p>
+          <a:p>
+            <a:pPr lvl="1"/>
             <a:r>
               <a:rPr lang="en-US" dirty="0"/>
-              <a:t>E.g. </a:t>
+              <a:t>def function1(paramter1,parameter2):</a:t>
+            </a:r>
+          </a:p>
+          <a:p>
+            <a:pPr marL="987552" lvl="2" indent="0">
+              <a:buNone/>
+            </a:pPr>
+            <a:r>
+              <a:rPr lang="en-US" dirty="0"/>
+              <a:t>	answer = parameter1+paramter2</a:t>
+            </a:r>
+          </a:p>
+          <a:p>
+            <a:pPr marL="987552" lvl="2" indent="0">
+              <a:buNone/>
+            </a:pPr>
+            <a:r>
+              <a:rPr lang="en-US" dirty="0"/>
+              <a:t>	return answer</a:t>
+            </a:r>
+          </a:p>
+          <a:p>
+            <a:r>
+              <a:rPr lang="en-US" dirty="0"/>
+              <a:t>There are two ways to call functions</a:t>
+            </a:r>
+            <a:r>
+              <a:rPr lang="en-US" b="1" dirty="0"/>
+              <a:t>:</a:t>
+            </a:r>
+          </a:p>
+          <a:p>
+            <a:pPr marL="987552" lvl="1" indent="-457200">
+              <a:buFont typeface="+mj-lt"/>
+              <a:buAutoNum type="arabicPeriod"/>
+            </a:pPr>
+            <a:r>
+              <a:rPr lang="en-US" dirty="0"/>
+              <a:t>Function1()</a:t>
+            </a:r>
+          </a:p>
+          <a:p>
+            <a:pPr marL="1444752" lvl="2" indent="-457200">
+              <a:buFont typeface="+mj-lt"/>
+              <a:buAutoNum type="arabicPeriod"/>
+            </a:pPr>
+            <a:r>
+              <a:rPr lang="en-US" dirty="0"/>
+              <a:t>E.g. type(5) # </a:t>
+            </a:r>
+            <a:r>
+              <a:rPr lang="en-US" dirty="0" err="1"/>
+              <a:t>int</a:t>
+            </a:r>
+            <a:endParaRPr lang="en-US" dirty="0"/>
+          </a:p>
+          <a:p>
+            <a:pPr marL="987552" lvl="1" indent="-457200">
+              <a:buFont typeface="+mj-lt"/>
+              <a:buAutoNum type="arabicPeriod"/>
+            </a:pPr>
+            <a:r>
+              <a:rPr lang="en-US" dirty="0"/>
+              <a:t>Object.function1()</a:t>
+            </a:r>
+          </a:p>
+          <a:p>
+            <a:pPr marL="1444752" lvl="2" indent="-457200">
+              <a:buFont typeface="+mj-lt"/>
+              <a:buAutoNum type="arabicPeriod"/>
+            </a:pPr>
+            <a:r>
+              <a:rPr lang="en-US" dirty="0"/>
+              <a:t>“</a:t>
+            </a:r>
+            <a:r>
+              <a:rPr lang="en-US" dirty="0" err="1"/>
+              <a:t>python”.upper</a:t>
+            </a:r>
+            <a:r>
+              <a:rPr lang="en-US" dirty="0"/>
+              <a:t>() # “PYTHON”</a:t>
             </a:r>
           </a:p>
           <a:p>
             <a:pPr lvl="1"/>
             <a:r>
-              <a:rPr lang="en-US" dirty="0" err="1"/>
-              <a:t>cities_list</a:t>
-            </a:r>
-            <a:r>
               <a:rPr lang="en-US" dirty="0"/>
-              <a:t> = [‘</a:t>
-            </a:r>
-            <a:r>
-              <a:rPr lang="en-US" dirty="0" err="1"/>
-              <a:t>hong</a:t>
-            </a:r>
-            <a:r>
-              <a:rPr lang="en-US" dirty="0"/>
-              <a:t> </a:t>
-            </a:r>
-            <a:r>
-              <a:rPr lang="en-US" dirty="0" err="1"/>
-              <a:t>kong</a:t>
-            </a:r>
-            <a:r>
-              <a:rPr lang="en-US" dirty="0"/>
-              <a:t>”, “new </a:t>
-            </a:r>
-            <a:r>
-              <a:rPr lang="en-US" dirty="0" err="1"/>
-              <a:t>york</a:t>
-            </a:r>
-            <a:r>
-              <a:rPr lang="en-US" dirty="0"/>
-              <a:t>”, “</a:t>
-            </a:r>
-            <a:r>
-              <a:rPr lang="en-US" dirty="0" err="1"/>
-              <a:t>miami</a:t>
-            </a:r>
-            <a:r>
-              <a:rPr lang="en-US" dirty="0"/>
-              <a:t>”]</a:t>
-            </a:r>
-          </a:p>
-          <a:p>
-            <a:pPr lvl="1"/>
-            <a:r>
-              <a:rPr lang="en-US" dirty="0"/>
-              <a:t>for item in </a:t>
-            </a:r>
-            <a:r>
-              <a:rPr lang="en-US" dirty="0" err="1"/>
-              <a:t>cities_list</a:t>
-            </a:r>
-            <a:r>
-              <a:rPr lang="en-US" dirty="0"/>
-              <a:t>:</a:t>
-            </a:r>
-          </a:p>
-          <a:p>
-            <a:pPr marL="987552" lvl="2" indent="0">
-              <a:buNone/>
-            </a:pPr>
-            <a:r>
-              <a:rPr lang="en-US" dirty="0"/>
-              <a:t>	print(item)</a:t>
-            </a:r>
-          </a:p>
-          <a:p>
-            <a:pPr marL="987552" lvl="2" indent="0">
-              <a:buNone/>
-            </a:pPr>
-            <a:r>
-              <a:rPr lang="en-US" dirty="0"/>
-              <a:t># </a:t>
-            </a:r>
-            <a:r>
-              <a:rPr lang="en-US" dirty="0" err="1"/>
-              <a:t>hong</a:t>
-            </a:r>
-            <a:r>
-              <a:rPr lang="en-US" dirty="0"/>
-              <a:t> </a:t>
-            </a:r>
-            <a:r>
-              <a:rPr lang="en-US" dirty="0" err="1"/>
-              <a:t>kong</a:t>
-            </a:r>
-            <a:endParaRPr lang="en-US" dirty="0"/>
-          </a:p>
-          <a:p>
-            <a:pPr marL="987552" lvl="2" indent="0">
-              <a:buNone/>
-            </a:pPr>
-            <a:r>
-              <a:rPr lang="en-US" dirty="0"/>
-              <a:t># new </a:t>
-            </a:r>
-            <a:r>
-              <a:rPr lang="en-US" dirty="0" err="1"/>
-              <a:t>york</a:t>
-            </a:r>
-            <a:endParaRPr lang="en-US" dirty="0"/>
-          </a:p>
-          <a:p>
-            <a:pPr marL="987552" lvl="2" indent="0">
-              <a:buNone/>
-            </a:pPr>
-            <a:r>
-              <a:rPr lang="en-US" dirty="0"/>
-              <a:t># </a:t>
-            </a:r>
-            <a:r>
-              <a:rPr lang="en-US" dirty="0" err="1"/>
-              <a:t>miami</a:t>
-            </a:r>
-            <a:endParaRPr lang="en-US" dirty="0"/>
-          </a:p>
-          <a:p>
-            <a:endParaRPr lang="en-US" dirty="0"/>
+              <a:t>Used under different circumstances (examples to come later)</a:t>
+            </a:r>
+          </a:p>
+          <a:p>
+            <a:endParaRPr lang="en-US" b="1" dirty="0"/>
           </a:p>
         </p:txBody>
       </p:sp>
       <p:pic>
         <p:nvPicPr>
-          <p:cNvPr id="4" name="Picture 3">
+          <p:cNvPr id="5" name="Picture 4">
             <a:extLst>
               <a:ext uri="{FF2B5EF4-FFF2-40B4-BE49-F238E27FC236}">
-                <a16:creationId xmlns:a16="http://schemas.microsoft.com/office/drawing/2014/main" id="{3F04FD72-3B62-F14B-A69F-A8315174DCD0}"/>
+                <a16:creationId xmlns:a16="http://schemas.microsoft.com/office/drawing/2014/main" id="{8165C4DC-BBD2-EF49-AA10-99B30AA07034}"/>
               </a:ext>
             </a:extLst>
           </p:cNvPr>
@@ -6156,7 +6446,7 @@
     </p:spTree>
     <p:extLst>
       <p:ext uri="{BB962C8B-B14F-4D97-AF65-F5344CB8AC3E}">
-        <p14:creationId xmlns:p14="http://schemas.microsoft.com/office/powerpoint/2010/main" val="678086244"/>
+        <p14:creationId xmlns:p14="http://schemas.microsoft.com/office/powerpoint/2010/main" val="1339790282"/>
       </p:ext>
     </p:extLst>
   </p:cSld>
